--- a/static/temp-to-revise/07_occ-multistate-projections.pptx
+++ b/static/temp-to-revise/07_occ-multistate-projections.pptx
@@ -158,20 +158,11 @@
             </a:pPr>
             <a:r>
               <a:rPr lang="en-US" dirty="0"/>
-              <a:t>Stream length and </a:t>
-            </a:r>
-            <a:r>
-              <a:rPr lang="en-US" dirty="0" smtClean="0"/>
-              <a:t>persistence </a:t>
-            </a:r>
-            <a:r>
-              <a:rPr lang="en-US" dirty="0"/>
-              <a:t>probability</a:t>
+              <a:t>Stream length and persistence probability</a:t>
             </a:r>
           </a:p>
         </c:rich>
       </c:tx>
-      <c:layout/>
       <c:overlay val="0"/>
     </c:title>
     <c:autoTitleDeleted val="0"/>
@@ -321,14 +312,12 @@
                   <a:defRPr/>
                 </a:pPr>
                 <a:r>
-                  <a:rPr lang="en-US" dirty="0" smtClean="0"/>
+                  <a:rPr lang="en-US" dirty="0"/>
                   <a:t>Stream length (km)</a:t>
                 </a:r>
-                <a:endParaRPr lang="en-US" dirty="0"/>
               </a:p>
             </c:rich>
           </c:tx>
-          <c:layout/>
           <c:overlay val="0"/>
         </c:title>
         <c:numFmt formatCode="General" sourceLinked="1"/>
@@ -356,14 +345,12 @@
                   <a:defRPr/>
                 </a:pPr>
                 <a:r>
-                  <a:rPr lang="en-US" dirty="0" smtClean="0"/>
+                  <a:rPr lang="en-US" dirty="0"/>
                   <a:t>Persistence Probability</a:t>
                 </a:r>
-                <a:endParaRPr lang="en-US" dirty="0"/>
               </a:p>
             </c:rich>
           </c:tx>
-          <c:layout/>
           <c:overlay val="0"/>
         </c:title>
         <c:numFmt formatCode="General" sourceLinked="1"/>
@@ -437,10 +424,9 @@
           </a:lstStyle>
           <a:p>
             <a:r>
-              <a:rPr lang="en-US" smtClean="0"/>
+              <a:rPr lang="en-US"/>
               <a:t>Click to edit Master title style</a:t>
             </a:r>
-            <a:endParaRPr lang="en-US"/>
           </a:p>
         </p:txBody>
       </p:sp>
@@ -502,10 +488,9 @@
           </a:lstStyle>
           <a:p>
             <a:r>
-              <a:rPr lang="en-US" smtClean="0"/>
+              <a:rPr lang="en-US"/>
               <a:t>Click to edit Master subtitle style</a:t>
             </a:r>
-            <a:endParaRPr lang="en-US"/>
           </a:p>
         </p:txBody>
       </p:sp>
@@ -526,7 +511,7 @@
           <a:p>
             <a:fld id="{979040C2-4B67-4C2B-A677-1E0CED48D36C}" type="datetimeFigureOut">
               <a:rPr lang="en-US" smtClean="0"/>
-              <a:t>9/1/2018</a:t>
+              <a:t>9/17/2018</a:t>
             </a:fld>
             <a:endParaRPr lang="en-US"/>
           </a:p>
@@ -620,10 +605,9 @@
           <a:lstStyle/>
           <a:p>
             <a:r>
-              <a:rPr lang="en-US" smtClean="0"/>
+              <a:rPr lang="en-US"/>
               <a:t>Click to edit Master title style</a:t>
             </a:r>
-            <a:endParaRPr lang="en-US"/>
           </a:p>
         </p:txBody>
       </p:sp>
@@ -644,38 +628,37 @@
           <a:p>
             <a:pPr lvl="0"/>
             <a:r>
-              <a:rPr lang="en-US" smtClean="0"/>
+              <a:rPr lang="en-US"/>
               <a:t>Edit Master text styles</a:t>
             </a:r>
           </a:p>
           <a:p>
             <a:pPr lvl="1"/>
             <a:r>
-              <a:rPr lang="en-US" smtClean="0"/>
+              <a:rPr lang="en-US"/>
               <a:t>Second level</a:t>
             </a:r>
           </a:p>
           <a:p>
             <a:pPr lvl="2"/>
             <a:r>
-              <a:rPr lang="en-US" smtClean="0"/>
+              <a:rPr lang="en-US"/>
               <a:t>Third level</a:t>
             </a:r>
           </a:p>
           <a:p>
             <a:pPr lvl="3"/>
             <a:r>
-              <a:rPr lang="en-US" smtClean="0"/>
+              <a:rPr lang="en-US"/>
               <a:t>Fourth level</a:t>
             </a:r>
           </a:p>
           <a:p>
             <a:pPr lvl="4"/>
             <a:r>
-              <a:rPr lang="en-US" smtClean="0"/>
+              <a:rPr lang="en-US"/>
               <a:t>Fifth level</a:t>
             </a:r>
-            <a:endParaRPr lang="en-US"/>
           </a:p>
         </p:txBody>
       </p:sp>
@@ -696,7 +679,7 @@
           <a:p>
             <a:fld id="{979040C2-4B67-4C2B-A677-1E0CED48D36C}" type="datetimeFigureOut">
               <a:rPr lang="en-US" smtClean="0"/>
-              <a:t>9/1/2018</a:t>
+              <a:t>9/17/2018</a:t>
             </a:fld>
             <a:endParaRPr lang="en-US"/>
           </a:p>
@@ -795,10 +778,9 @@
           <a:lstStyle/>
           <a:p>
             <a:r>
-              <a:rPr lang="en-US" smtClean="0"/>
+              <a:rPr lang="en-US"/>
               <a:t>Click to edit Master title style</a:t>
             </a:r>
-            <a:endParaRPr lang="en-US"/>
           </a:p>
         </p:txBody>
       </p:sp>
@@ -824,38 +806,37 @@
           <a:p>
             <a:pPr lvl="0"/>
             <a:r>
-              <a:rPr lang="en-US" smtClean="0"/>
+              <a:rPr lang="en-US"/>
               <a:t>Edit Master text styles</a:t>
             </a:r>
           </a:p>
           <a:p>
             <a:pPr lvl="1"/>
             <a:r>
-              <a:rPr lang="en-US" smtClean="0"/>
+              <a:rPr lang="en-US"/>
               <a:t>Second level</a:t>
             </a:r>
           </a:p>
           <a:p>
             <a:pPr lvl="2"/>
             <a:r>
-              <a:rPr lang="en-US" smtClean="0"/>
+              <a:rPr lang="en-US"/>
               <a:t>Third level</a:t>
             </a:r>
           </a:p>
           <a:p>
             <a:pPr lvl="3"/>
             <a:r>
-              <a:rPr lang="en-US" smtClean="0"/>
+              <a:rPr lang="en-US"/>
               <a:t>Fourth level</a:t>
             </a:r>
           </a:p>
           <a:p>
             <a:pPr lvl="4"/>
             <a:r>
-              <a:rPr lang="en-US" smtClean="0"/>
+              <a:rPr lang="en-US"/>
               <a:t>Fifth level</a:t>
             </a:r>
-            <a:endParaRPr lang="en-US"/>
           </a:p>
         </p:txBody>
       </p:sp>
@@ -876,7 +857,7 @@
           <a:p>
             <a:fld id="{979040C2-4B67-4C2B-A677-1E0CED48D36C}" type="datetimeFigureOut">
               <a:rPr lang="en-US" smtClean="0"/>
-              <a:t>9/1/2018</a:t>
+              <a:t>9/17/2018</a:t>
             </a:fld>
             <a:endParaRPr lang="en-US"/>
           </a:p>
@@ -970,10 +951,9 @@
           <a:lstStyle/>
           <a:p>
             <a:r>
-              <a:rPr lang="en-US" smtClean="0"/>
+              <a:rPr lang="en-US"/>
               <a:t>Click to edit Master title style</a:t>
             </a:r>
-            <a:endParaRPr lang="en-US"/>
           </a:p>
         </p:txBody>
       </p:sp>
@@ -994,38 +974,37 @@
           <a:p>
             <a:pPr lvl="0"/>
             <a:r>
-              <a:rPr lang="en-US" smtClean="0"/>
+              <a:rPr lang="en-US"/>
               <a:t>Edit Master text styles</a:t>
             </a:r>
           </a:p>
           <a:p>
             <a:pPr lvl="1"/>
             <a:r>
-              <a:rPr lang="en-US" smtClean="0"/>
+              <a:rPr lang="en-US"/>
               <a:t>Second level</a:t>
             </a:r>
           </a:p>
           <a:p>
             <a:pPr lvl="2"/>
             <a:r>
-              <a:rPr lang="en-US" smtClean="0"/>
+              <a:rPr lang="en-US"/>
               <a:t>Third level</a:t>
             </a:r>
           </a:p>
           <a:p>
             <a:pPr lvl="3"/>
             <a:r>
-              <a:rPr lang="en-US" smtClean="0"/>
+              <a:rPr lang="en-US"/>
               <a:t>Fourth level</a:t>
             </a:r>
           </a:p>
           <a:p>
             <a:pPr lvl="4"/>
             <a:r>
-              <a:rPr lang="en-US" smtClean="0"/>
+              <a:rPr lang="en-US"/>
               <a:t>Fifth level</a:t>
             </a:r>
-            <a:endParaRPr lang="en-US"/>
           </a:p>
         </p:txBody>
       </p:sp>
@@ -1046,7 +1025,7 @@
           <a:p>
             <a:fld id="{979040C2-4B67-4C2B-A677-1E0CED48D36C}" type="datetimeFigureOut">
               <a:rPr lang="en-US" smtClean="0"/>
-              <a:t>9/1/2018</a:t>
+              <a:t>9/17/2018</a:t>
             </a:fld>
             <a:endParaRPr lang="en-US"/>
           </a:p>
@@ -1149,10 +1128,9 @@
           </a:lstStyle>
           <a:p>
             <a:r>
-              <a:rPr lang="en-US" smtClean="0"/>
+              <a:rPr lang="en-US"/>
               <a:t>Click to edit Master title style</a:t>
             </a:r>
-            <a:endParaRPr lang="en-US"/>
           </a:p>
         </p:txBody>
       </p:sp>
@@ -1269,7 +1247,7 @@
           <a:p>
             <a:pPr lvl="0"/>
             <a:r>
-              <a:rPr lang="en-US" smtClean="0"/>
+              <a:rPr lang="en-US"/>
               <a:t>Edit Master text styles</a:t>
             </a:r>
           </a:p>
@@ -1292,7 +1270,7 @@
           <a:p>
             <a:fld id="{979040C2-4B67-4C2B-A677-1E0CED48D36C}" type="datetimeFigureOut">
               <a:rPr lang="en-US" smtClean="0"/>
-              <a:t>9/1/2018</a:t>
+              <a:t>9/17/2018</a:t>
             </a:fld>
             <a:endParaRPr lang="en-US"/>
           </a:p>
@@ -1386,10 +1364,9 @@
           <a:lstStyle/>
           <a:p>
             <a:r>
-              <a:rPr lang="en-US" smtClean="0"/>
+              <a:rPr lang="en-US"/>
               <a:t>Click to edit Master title style</a:t>
             </a:r>
-            <a:endParaRPr lang="en-US"/>
           </a:p>
         </p:txBody>
       </p:sp>
@@ -1415,38 +1392,37 @@
           <a:p>
             <a:pPr lvl="0"/>
             <a:r>
-              <a:rPr lang="en-US" smtClean="0"/>
+              <a:rPr lang="en-US"/>
               <a:t>Edit Master text styles</a:t>
             </a:r>
           </a:p>
           <a:p>
             <a:pPr lvl="1"/>
             <a:r>
-              <a:rPr lang="en-US" smtClean="0"/>
+              <a:rPr lang="en-US"/>
               <a:t>Second level</a:t>
             </a:r>
           </a:p>
           <a:p>
             <a:pPr lvl="2"/>
             <a:r>
-              <a:rPr lang="en-US" smtClean="0"/>
+              <a:rPr lang="en-US"/>
               <a:t>Third level</a:t>
             </a:r>
           </a:p>
           <a:p>
             <a:pPr lvl="3"/>
             <a:r>
-              <a:rPr lang="en-US" smtClean="0"/>
+              <a:rPr lang="en-US"/>
               <a:t>Fourth level</a:t>
             </a:r>
           </a:p>
           <a:p>
             <a:pPr lvl="4"/>
             <a:r>
-              <a:rPr lang="en-US" smtClean="0"/>
+              <a:rPr lang="en-US"/>
               <a:t>Fifth level</a:t>
             </a:r>
-            <a:endParaRPr lang="en-US"/>
           </a:p>
         </p:txBody>
       </p:sp>
@@ -1472,38 +1448,37 @@
           <a:p>
             <a:pPr lvl="0"/>
             <a:r>
-              <a:rPr lang="en-US" smtClean="0"/>
+              <a:rPr lang="en-US"/>
               <a:t>Edit Master text styles</a:t>
             </a:r>
           </a:p>
           <a:p>
             <a:pPr lvl="1"/>
             <a:r>
-              <a:rPr lang="en-US" smtClean="0"/>
+              <a:rPr lang="en-US"/>
               <a:t>Second level</a:t>
             </a:r>
           </a:p>
           <a:p>
             <a:pPr lvl="2"/>
             <a:r>
-              <a:rPr lang="en-US" smtClean="0"/>
+              <a:rPr lang="en-US"/>
               <a:t>Third level</a:t>
             </a:r>
           </a:p>
           <a:p>
             <a:pPr lvl="3"/>
             <a:r>
-              <a:rPr lang="en-US" smtClean="0"/>
+              <a:rPr lang="en-US"/>
               <a:t>Fourth level</a:t>
             </a:r>
           </a:p>
           <a:p>
             <a:pPr lvl="4"/>
             <a:r>
-              <a:rPr lang="en-US" smtClean="0"/>
+              <a:rPr lang="en-US"/>
               <a:t>Fifth level</a:t>
             </a:r>
-            <a:endParaRPr lang="en-US"/>
           </a:p>
         </p:txBody>
       </p:sp>
@@ -1524,7 +1499,7 @@
           <a:p>
             <a:fld id="{979040C2-4B67-4C2B-A677-1E0CED48D36C}" type="datetimeFigureOut">
               <a:rPr lang="en-US" smtClean="0"/>
-              <a:t>9/1/2018</a:t>
+              <a:t>9/17/2018</a:t>
             </a:fld>
             <a:endParaRPr lang="en-US"/>
           </a:p>
@@ -1623,10 +1598,9 @@
           <a:lstStyle/>
           <a:p>
             <a:r>
-              <a:rPr lang="en-US" smtClean="0"/>
+              <a:rPr lang="en-US"/>
               <a:t>Click to edit Master title style</a:t>
             </a:r>
-            <a:endParaRPr lang="en-US"/>
           </a:p>
         </p:txBody>
       </p:sp>
@@ -1689,7 +1663,7 @@
           <a:p>
             <a:pPr lvl="0"/>
             <a:r>
-              <a:rPr lang="en-US" smtClean="0"/>
+              <a:rPr lang="en-US"/>
               <a:t>Edit Master text styles</a:t>
             </a:r>
           </a:p>
@@ -1717,38 +1691,37 @@
           <a:p>
             <a:pPr lvl="0"/>
             <a:r>
-              <a:rPr lang="en-US" smtClean="0"/>
+              <a:rPr lang="en-US"/>
               <a:t>Edit Master text styles</a:t>
             </a:r>
           </a:p>
           <a:p>
             <a:pPr lvl="1"/>
             <a:r>
-              <a:rPr lang="en-US" smtClean="0"/>
+              <a:rPr lang="en-US"/>
               <a:t>Second level</a:t>
             </a:r>
           </a:p>
           <a:p>
             <a:pPr lvl="2"/>
             <a:r>
-              <a:rPr lang="en-US" smtClean="0"/>
+              <a:rPr lang="en-US"/>
               <a:t>Third level</a:t>
             </a:r>
           </a:p>
           <a:p>
             <a:pPr lvl="3"/>
             <a:r>
-              <a:rPr lang="en-US" smtClean="0"/>
+              <a:rPr lang="en-US"/>
               <a:t>Fourth level</a:t>
             </a:r>
           </a:p>
           <a:p>
             <a:pPr lvl="4"/>
             <a:r>
-              <a:rPr lang="en-US" smtClean="0"/>
+              <a:rPr lang="en-US"/>
               <a:t>Fifth level</a:t>
             </a:r>
-            <a:endParaRPr lang="en-US"/>
           </a:p>
         </p:txBody>
       </p:sp>
@@ -1811,7 +1784,7 @@
           <a:p>
             <a:pPr lvl="0"/>
             <a:r>
-              <a:rPr lang="en-US" smtClean="0"/>
+              <a:rPr lang="en-US"/>
               <a:t>Edit Master text styles</a:t>
             </a:r>
           </a:p>
@@ -1839,38 +1812,37 @@
           <a:p>
             <a:pPr lvl="0"/>
             <a:r>
-              <a:rPr lang="en-US" smtClean="0"/>
+              <a:rPr lang="en-US"/>
               <a:t>Edit Master text styles</a:t>
             </a:r>
           </a:p>
           <a:p>
             <a:pPr lvl="1"/>
             <a:r>
-              <a:rPr lang="en-US" smtClean="0"/>
+              <a:rPr lang="en-US"/>
               <a:t>Second level</a:t>
             </a:r>
           </a:p>
           <a:p>
             <a:pPr lvl="2"/>
             <a:r>
-              <a:rPr lang="en-US" smtClean="0"/>
+              <a:rPr lang="en-US"/>
               <a:t>Third level</a:t>
             </a:r>
           </a:p>
           <a:p>
             <a:pPr lvl="3"/>
             <a:r>
-              <a:rPr lang="en-US" smtClean="0"/>
+              <a:rPr lang="en-US"/>
               <a:t>Fourth level</a:t>
             </a:r>
           </a:p>
           <a:p>
             <a:pPr lvl="4"/>
             <a:r>
-              <a:rPr lang="en-US" smtClean="0"/>
+              <a:rPr lang="en-US"/>
               <a:t>Fifth level</a:t>
             </a:r>
-            <a:endParaRPr lang="en-US"/>
           </a:p>
         </p:txBody>
       </p:sp>
@@ -1891,7 +1863,7 @@
           <a:p>
             <a:fld id="{979040C2-4B67-4C2B-A677-1E0CED48D36C}" type="datetimeFigureOut">
               <a:rPr lang="en-US" smtClean="0"/>
-              <a:t>9/1/2018</a:t>
+              <a:t>9/17/2018</a:t>
             </a:fld>
             <a:endParaRPr lang="en-US"/>
           </a:p>
@@ -1985,10 +1957,9 @@
           <a:lstStyle/>
           <a:p>
             <a:r>
-              <a:rPr lang="en-US" smtClean="0"/>
+              <a:rPr lang="en-US"/>
               <a:t>Click to edit Master title style</a:t>
             </a:r>
-            <a:endParaRPr lang="en-US"/>
           </a:p>
         </p:txBody>
       </p:sp>
@@ -2009,7 +1980,7 @@
           <a:p>
             <a:fld id="{979040C2-4B67-4C2B-A677-1E0CED48D36C}" type="datetimeFigureOut">
               <a:rPr lang="en-US" smtClean="0"/>
-              <a:t>9/1/2018</a:t>
+              <a:t>9/17/2018</a:t>
             </a:fld>
             <a:endParaRPr lang="en-US"/>
           </a:p>
@@ -2104,7 +2075,7 @@
           <a:p>
             <a:fld id="{979040C2-4B67-4C2B-A677-1E0CED48D36C}" type="datetimeFigureOut">
               <a:rPr lang="en-US" smtClean="0"/>
-              <a:t>9/1/2018</a:t>
+              <a:t>9/17/2018</a:t>
             </a:fld>
             <a:endParaRPr lang="en-US"/>
           </a:p>
@@ -2207,10 +2178,9 @@
           </a:lstStyle>
           <a:p>
             <a:r>
-              <a:rPr lang="en-US" smtClean="0"/>
+              <a:rPr lang="en-US"/>
               <a:t>Click to edit Master title style</a:t>
             </a:r>
-            <a:endParaRPr lang="en-US"/>
           </a:p>
         </p:txBody>
       </p:sp>
@@ -2264,38 +2234,37 @@
           <a:p>
             <a:pPr lvl="0"/>
             <a:r>
-              <a:rPr lang="en-US" smtClean="0"/>
+              <a:rPr lang="en-US"/>
               <a:t>Edit Master text styles</a:t>
             </a:r>
           </a:p>
           <a:p>
             <a:pPr lvl="1"/>
             <a:r>
-              <a:rPr lang="en-US" smtClean="0"/>
+              <a:rPr lang="en-US"/>
               <a:t>Second level</a:t>
             </a:r>
           </a:p>
           <a:p>
             <a:pPr lvl="2"/>
             <a:r>
-              <a:rPr lang="en-US" smtClean="0"/>
+              <a:rPr lang="en-US"/>
               <a:t>Third level</a:t>
             </a:r>
           </a:p>
           <a:p>
             <a:pPr lvl="3"/>
             <a:r>
-              <a:rPr lang="en-US" smtClean="0"/>
+              <a:rPr lang="en-US"/>
               <a:t>Fourth level</a:t>
             </a:r>
           </a:p>
           <a:p>
             <a:pPr lvl="4"/>
             <a:r>
-              <a:rPr lang="en-US" smtClean="0"/>
+              <a:rPr lang="en-US"/>
               <a:t>Fifth level</a:t>
             </a:r>
-            <a:endParaRPr lang="en-US"/>
           </a:p>
         </p:txBody>
       </p:sp>
@@ -2358,7 +2327,7 @@
           <a:p>
             <a:pPr lvl="0"/>
             <a:r>
-              <a:rPr lang="en-US" smtClean="0"/>
+              <a:rPr lang="en-US"/>
               <a:t>Edit Master text styles</a:t>
             </a:r>
           </a:p>
@@ -2381,7 +2350,7 @@
           <a:p>
             <a:fld id="{979040C2-4B67-4C2B-A677-1E0CED48D36C}" type="datetimeFigureOut">
               <a:rPr lang="en-US" smtClean="0"/>
-              <a:t>9/1/2018</a:t>
+              <a:t>9/17/2018</a:t>
             </a:fld>
             <a:endParaRPr lang="en-US"/>
           </a:p>
@@ -2484,10 +2453,9 @@
           </a:lstStyle>
           <a:p>
             <a:r>
-              <a:rPr lang="en-US" smtClean="0"/>
+              <a:rPr lang="en-US"/>
               <a:t>Click to edit Master title style</a:t>
             </a:r>
-            <a:endParaRPr lang="en-US"/>
           </a:p>
         </p:txBody>
       </p:sp>
@@ -2611,7 +2579,7 @@
           <a:p>
             <a:pPr lvl="0"/>
             <a:r>
-              <a:rPr lang="en-US" smtClean="0"/>
+              <a:rPr lang="en-US"/>
               <a:t>Edit Master text styles</a:t>
             </a:r>
           </a:p>
@@ -2634,7 +2602,7 @@
           <a:p>
             <a:fld id="{979040C2-4B67-4C2B-A677-1E0CED48D36C}" type="datetimeFigureOut">
               <a:rPr lang="en-US" smtClean="0"/>
-              <a:t>9/1/2018</a:t>
+              <a:t>9/17/2018</a:t>
             </a:fld>
             <a:endParaRPr lang="en-US"/>
           </a:p>
@@ -2743,10 +2711,9 @@
           <a:lstStyle/>
           <a:p>
             <a:r>
-              <a:rPr lang="en-US" smtClean="0"/>
+              <a:rPr lang="en-US"/>
               <a:t>Click to edit Master title style</a:t>
             </a:r>
-            <a:endParaRPr lang="en-US"/>
           </a:p>
         </p:txBody>
       </p:sp>
@@ -2777,38 +2744,37 @@
           <a:p>
             <a:pPr lvl="0"/>
             <a:r>
-              <a:rPr lang="en-US" smtClean="0"/>
+              <a:rPr lang="en-US"/>
               <a:t>Edit Master text styles</a:t>
             </a:r>
           </a:p>
           <a:p>
             <a:pPr lvl="1"/>
             <a:r>
-              <a:rPr lang="en-US" smtClean="0"/>
+              <a:rPr lang="en-US"/>
               <a:t>Second level</a:t>
             </a:r>
           </a:p>
           <a:p>
             <a:pPr lvl="2"/>
             <a:r>
-              <a:rPr lang="en-US" smtClean="0"/>
+              <a:rPr lang="en-US"/>
               <a:t>Third level</a:t>
             </a:r>
           </a:p>
           <a:p>
             <a:pPr lvl="3"/>
             <a:r>
-              <a:rPr lang="en-US" smtClean="0"/>
+              <a:rPr lang="en-US"/>
               <a:t>Fourth level</a:t>
             </a:r>
           </a:p>
           <a:p>
             <a:pPr lvl="4"/>
             <a:r>
-              <a:rPr lang="en-US" smtClean="0"/>
+              <a:rPr lang="en-US"/>
               <a:t>Fifth level</a:t>
             </a:r>
-            <a:endParaRPr lang="en-US"/>
           </a:p>
         </p:txBody>
       </p:sp>
@@ -2847,7 +2813,7 @@
           <a:p>
             <a:fld id="{979040C2-4B67-4C2B-A677-1E0CED48D36C}" type="datetimeFigureOut">
               <a:rPr lang="en-US" smtClean="0"/>
-              <a:t>9/1/2018</a:t>
+              <a:t>9/17/2018</a:t>
             </a:fld>
             <a:endParaRPr lang="en-US"/>
           </a:p>
@@ -3268,10 +3234,9 @@
           <a:lstStyle/>
           <a:p>
             <a:r>
-              <a:rPr lang="en-US" dirty="0" smtClean="0"/>
+              <a:rPr lang="en-US" dirty="0"/>
               <a:t>Occupancy and multi-state occupancy projection models</a:t>
             </a:r>
-            <a:endParaRPr lang="en-US" dirty="0"/>
           </a:p>
         </p:txBody>
       </p:sp>
@@ -3290,7 +3255,10 @@
           <a:bodyPr/>
           <a:lstStyle/>
           <a:p>
-            <a:endParaRPr lang="en-US"/>
+            <a:r>
+              <a:rPr lang="en-US" dirty="0"/>
+              <a:t>SSA 200 – Day 2 – Lecture 7</a:t>
+            </a:r>
           </a:p>
         </p:txBody>
       </p:sp>
@@ -3338,29 +3306,14 @@
           <a:lstStyle/>
           <a:p>
             <a:r>
-              <a:rPr lang="en-US" dirty="0" smtClean="0">
+              <a:rPr lang="en-US" dirty="0">
                 <a:solidFill>
                   <a:schemeClr val="bg1"/>
                 </a:solidFill>
                 <a:latin typeface="Arial Narrow" panose="020B0606020202030204" pitchFamily="34" charset="0"/>
               </a:rPr>
-              <a:t>Quantitative Tools for </a:t>
+              <a:t>Quantitative Tools for SSA</a:t>
             </a:r>
-            <a:r>
-              <a:rPr lang="en-US" dirty="0" smtClean="0">
-                <a:solidFill>
-                  <a:schemeClr val="bg1"/>
-                </a:solidFill>
-                <a:latin typeface="Arial Narrow" panose="020B0606020202030204" pitchFamily="34" charset="0"/>
-              </a:rPr>
-              <a:t>SSA</a:t>
-            </a:r>
-            <a:endParaRPr lang="en-US" dirty="0">
-              <a:solidFill>
-                <a:schemeClr val="bg1"/>
-              </a:solidFill>
-              <a:latin typeface="Arial Narrow" panose="020B0606020202030204" pitchFamily="34" charset="0"/>
-            </a:endParaRPr>
           </a:p>
         </p:txBody>
       </p:sp>
@@ -3415,13 +3368,6 @@
   <p:clrMapOvr>
     <a:masterClrMapping/>
   </p:clrMapOvr>
-  <p:timing>
-    <p:tnLst>
-      <p:par>
-        <p:cTn id="1" dur="indefinite" restart="never" nodeType="tmRoot"/>
-      </p:par>
-    </p:tnLst>
-  </p:timing>
 </p:sld>
 </file>
 
@@ -3465,12 +3411,8 @@
           <a:lstStyle/>
           <a:p>
             <a:r>
-              <a:rPr lang="en-US" sz="3200" dirty="0" smtClean="0"/>
-              <a:t>Multiple population </a:t>
-            </a:r>
-            <a:r>
               <a:rPr lang="en-US" sz="3200" dirty="0"/>
-              <a:t>states</a:t>
+              <a:t>Multiple population states</a:t>
             </a:r>
           </a:p>
         </p:txBody>
@@ -3513,13 +3455,8 @@
             <a:pPr algn="ctr"/>
             <a:r>
               <a:rPr lang="en-US" dirty="0"/>
-              <a:t>E</a:t>
+              <a:t>Extinct</a:t>
             </a:r>
-            <a:r>
-              <a:rPr lang="en-US" dirty="0" smtClean="0"/>
-              <a:t>xtinct</a:t>
-            </a:r>
-            <a:endParaRPr lang="en-US" dirty="0"/>
           </a:p>
         </p:txBody>
       </p:sp>
@@ -3560,10 +3497,9 @@
           <a:p>
             <a:pPr algn="ctr"/>
             <a:r>
-              <a:rPr lang="en-US" dirty="0" smtClean="0"/>
+              <a:rPr lang="en-US" dirty="0"/>
               <a:t>Low abundance</a:t>
             </a:r>
-            <a:endParaRPr lang="en-US" dirty="0"/>
           </a:p>
         </p:txBody>
       </p:sp>
@@ -3604,10 +3540,9 @@
           <a:p>
             <a:pPr algn="ctr"/>
             <a:r>
-              <a:rPr lang="en-US" dirty="0" smtClean="0"/>
+              <a:rPr lang="en-US" dirty="0"/>
               <a:t>High abundance</a:t>
             </a:r>
-            <a:endParaRPr lang="en-US" dirty="0"/>
           </a:p>
         </p:txBody>
       </p:sp>
@@ -3850,29 +3785,14 @@
             <a:lstStyle/>
             <a:p>
               <a:r>
-                <a:rPr lang="en-US" dirty="0" smtClean="0">
+                <a:rPr lang="en-US" dirty="0">
                   <a:solidFill>
                     <a:schemeClr val="bg1"/>
                   </a:solidFill>
                   <a:latin typeface="Arial Narrow" panose="020B0606020202030204" pitchFamily="34" charset="0"/>
                 </a:rPr>
-                <a:t>Quantitative Tools for </a:t>
+                <a:t>Quantitative Tools for SSA</a:t>
               </a:r>
-              <a:r>
-                <a:rPr lang="en-US" dirty="0" smtClean="0">
-                  <a:solidFill>
-                    <a:schemeClr val="bg1"/>
-                  </a:solidFill>
-                  <a:latin typeface="Arial Narrow" panose="020B0606020202030204" pitchFamily="34" charset="0"/>
-                </a:rPr>
-                <a:t>SSA</a:t>
-              </a:r>
-              <a:endParaRPr lang="en-US" dirty="0">
-                <a:solidFill>
-                  <a:schemeClr val="bg1"/>
-                </a:solidFill>
-                <a:latin typeface="Arial Narrow" panose="020B0606020202030204" pitchFamily="34" charset="0"/>
-              </a:endParaRPr>
             </a:p>
           </p:txBody>
         </p:sp>
@@ -3928,13 +3848,6 @@
   <p:clrMapOvr>
     <a:masterClrMapping/>
   </p:clrMapOvr>
-  <p:timing>
-    <p:tnLst>
-      <p:par>
-        <p:cTn id="1" dur="indefinite" restart="never" nodeType="tmRoot"/>
-      </p:par>
-    </p:tnLst>
-  </p:timing>
 </p:sld>
 </file>
 
@@ -3978,12 +3891,8 @@
           <a:lstStyle/>
           <a:p>
             <a:r>
-              <a:rPr lang="en-US" sz="3200" dirty="0" smtClean="0"/>
-              <a:t>Multiple population </a:t>
-            </a:r>
-            <a:r>
               <a:rPr lang="en-US" sz="3200" dirty="0"/>
-              <a:t>states</a:t>
+              <a:t>Multiple population states</a:t>
             </a:r>
           </a:p>
         </p:txBody>
@@ -4026,13 +3935,8 @@
             <a:pPr algn="ctr"/>
             <a:r>
               <a:rPr lang="en-US" dirty="0"/>
-              <a:t>E</a:t>
+              <a:t>Extinct</a:t>
             </a:r>
-            <a:r>
-              <a:rPr lang="en-US" dirty="0" smtClean="0"/>
-              <a:t>xtinct</a:t>
-            </a:r>
-            <a:endParaRPr lang="en-US" dirty="0"/>
           </a:p>
         </p:txBody>
       </p:sp>
@@ -4073,10 +3977,9 @@
           <a:p>
             <a:pPr algn="ctr"/>
             <a:r>
-              <a:rPr lang="en-US" dirty="0" smtClean="0"/>
+              <a:rPr lang="en-US" dirty="0"/>
               <a:t>Low abundance</a:t>
             </a:r>
-            <a:endParaRPr lang="en-US" dirty="0"/>
           </a:p>
         </p:txBody>
       </p:sp>
@@ -4117,10 +4020,9 @@
           <a:p>
             <a:pPr algn="ctr"/>
             <a:r>
-              <a:rPr lang="en-US" dirty="0" smtClean="0"/>
+              <a:rPr lang="en-US" dirty="0"/>
               <a:t>High abundance</a:t>
             </a:r>
-            <a:endParaRPr lang="en-US" dirty="0"/>
           </a:p>
         </p:txBody>
       </p:sp>
@@ -4363,29 +4265,14 @@
             <a:lstStyle/>
             <a:p>
               <a:r>
-                <a:rPr lang="en-US" dirty="0" smtClean="0">
+                <a:rPr lang="en-US" dirty="0">
                   <a:solidFill>
                     <a:schemeClr val="bg1"/>
                   </a:solidFill>
                   <a:latin typeface="Arial Narrow" panose="020B0606020202030204" pitchFamily="34" charset="0"/>
                 </a:rPr>
-                <a:t>Quantitative Tools for </a:t>
+                <a:t>Quantitative Tools for SSA</a:t>
               </a:r>
-              <a:r>
-                <a:rPr lang="en-US" dirty="0" smtClean="0">
-                  <a:solidFill>
-                    <a:schemeClr val="bg1"/>
-                  </a:solidFill>
-                  <a:latin typeface="Arial Narrow" panose="020B0606020202030204" pitchFamily="34" charset="0"/>
-                </a:rPr>
-                <a:t>SSA</a:t>
-              </a:r>
-              <a:endParaRPr lang="en-US" dirty="0">
-                <a:solidFill>
-                  <a:schemeClr val="bg1"/>
-                </a:solidFill>
-                <a:latin typeface="Arial Narrow" panose="020B0606020202030204" pitchFamily="34" charset="0"/>
-              </a:endParaRPr>
             </a:p>
           </p:txBody>
         </p:sp>
@@ -4441,21 +4328,6 @@
   <p:clrMapOvr>
     <a:masterClrMapping/>
   </p:clrMapOvr>
-  <mc:AlternateContent xmlns:mc="http://schemas.openxmlformats.org/markup-compatibility/2006">
-    <mc:Choice xmlns:p14="http://schemas.microsoft.com/office/powerpoint/2010/main" Requires="p14">
-      <p:transition spd="slow" p14:dur="2000"/>
-    </mc:Choice>
-    <mc:Fallback>
-      <p:transition spd="slow"/>
-    </mc:Fallback>
-  </mc:AlternateContent>
-  <p:timing>
-    <p:tnLst>
-      <p:par>
-        <p:cTn id="1" dur="indefinite" restart="never" nodeType="tmRoot"/>
-      </p:par>
-    </p:tnLst>
-  </p:timing>
 </p:sld>
 </file>
 
@@ -4499,12 +4371,8 @@
           <a:lstStyle/>
           <a:p>
             <a:r>
-              <a:rPr lang="en-US" sz="3200" dirty="0" smtClean="0"/>
-              <a:t>Multiple population </a:t>
-            </a:r>
-            <a:r>
               <a:rPr lang="en-US" sz="3200" dirty="0"/>
-              <a:t>states</a:t>
+              <a:t>Multiple population states</a:t>
             </a:r>
           </a:p>
         </p:txBody>
@@ -4547,13 +4415,8 @@
             <a:pPr algn="ctr"/>
             <a:r>
               <a:rPr lang="en-US" dirty="0"/>
-              <a:t>E</a:t>
+              <a:t>Extinct</a:t>
             </a:r>
-            <a:r>
-              <a:rPr lang="en-US" dirty="0" smtClean="0"/>
-              <a:t>xtinct</a:t>
-            </a:r>
-            <a:endParaRPr lang="en-US" dirty="0"/>
           </a:p>
         </p:txBody>
       </p:sp>
@@ -4594,10 +4457,9 @@
           <a:p>
             <a:pPr algn="ctr"/>
             <a:r>
-              <a:rPr lang="en-US" dirty="0" smtClean="0"/>
+              <a:rPr lang="en-US" dirty="0"/>
               <a:t>Low abundance</a:t>
             </a:r>
-            <a:endParaRPr lang="en-US" dirty="0"/>
           </a:p>
         </p:txBody>
       </p:sp>
@@ -4638,10 +4500,9 @@
           <a:p>
             <a:pPr algn="ctr"/>
             <a:r>
-              <a:rPr lang="en-US" dirty="0" smtClean="0"/>
+              <a:rPr lang="en-US" dirty="0"/>
               <a:t>High abundance</a:t>
             </a:r>
-            <a:endParaRPr lang="en-US" dirty="0"/>
           </a:p>
         </p:txBody>
       </p:sp>
@@ -5550,29 +5411,14 @@
             <a:lstStyle/>
             <a:p>
               <a:r>
-                <a:rPr lang="en-US" dirty="0" smtClean="0">
+                <a:rPr lang="en-US" dirty="0">
                   <a:solidFill>
                     <a:schemeClr val="bg1"/>
                   </a:solidFill>
                   <a:latin typeface="Arial Narrow" panose="020B0606020202030204" pitchFamily="34" charset="0"/>
                 </a:rPr>
-                <a:t>Quantitative Tools for </a:t>
+                <a:t>Quantitative Tools for SSA</a:t>
               </a:r>
-              <a:r>
-                <a:rPr lang="en-US" dirty="0" smtClean="0">
-                  <a:solidFill>
-                    <a:schemeClr val="bg1"/>
-                  </a:solidFill>
-                  <a:latin typeface="Arial Narrow" panose="020B0606020202030204" pitchFamily="34" charset="0"/>
-                </a:rPr>
-                <a:t>SSA</a:t>
-              </a:r>
-              <a:endParaRPr lang="en-US" dirty="0">
-                <a:solidFill>
-                  <a:schemeClr val="bg1"/>
-                </a:solidFill>
-                <a:latin typeface="Arial Narrow" panose="020B0606020202030204" pitchFamily="34" charset="0"/>
-              </a:endParaRPr>
             </a:p>
           </p:txBody>
         </p:sp>
@@ -5628,13 +5474,6 @@
   <p:clrMapOvr>
     <a:masterClrMapping/>
   </p:clrMapOvr>
-  <p:timing>
-    <p:tnLst>
-      <p:par>
-        <p:cTn id="1" dur="indefinite" restart="never" nodeType="tmRoot"/>
-      </p:par>
-    </p:tnLst>
-  </p:timing>
 </p:sld>
 </file>
 
@@ -5671,15 +5510,14 @@
           <a:lstStyle/>
           <a:p>
             <a:r>
-              <a:rPr lang="en-US" dirty="0" smtClean="0"/>
+              <a:rPr lang="en-US" dirty="0"/>
               <a:t>Matrix formulation</a:t>
             </a:r>
-            <a:endParaRPr lang="en-US" dirty="0"/>
           </a:p>
         </p:txBody>
       </p:sp>
-      <mc:AlternateContent xmlns:mc="http://schemas.openxmlformats.org/markup-compatibility/2006">
-        <mc:Choice xmlns:a14="http://schemas.microsoft.com/office/drawing/2010/main" Requires="a14">
+      <mc:AlternateContent xmlns:mc="http://schemas.openxmlformats.org/markup-compatibility/2006" xmlns:a14="http://schemas.microsoft.com/office/drawing/2010/main">
+        <mc:Choice Requires="a14">
           <p:sp>
             <p:nvSpPr>
               <p:cNvPr id="4" name="TextBox 3"/>
@@ -6338,7 +6176,7 @@
             </p:txBody>
           </p:sp>
         </mc:Choice>
-        <mc:Fallback>
+        <mc:Fallback xmlns="">
           <p:sp>
             <p:nvSpPr>
               <p:cNvPr id="4" name="TextBox 3"/>
@@ -6435,29 +6273,14 @@
             <a:lstStyle/>
             <a:p>
               <a:r>
-                <a:rPr lang="en-US" dirty="0" smtClean="0">
+                <a:rPr lang="en-US" dirty="0">
                   <a:solidFill>
                     <a:schemeClr val="bg1"/>
                   </a:solidFill>
                   <a:latin typeface="Arial Narrow" panose="020B0606020202030204" pitchFamily="34" charset="0"/>
                 </a:rPr>
-                <a:t>Quantitative Tools for </a:t>
+                <a:t>Quantitative Tools for SSA</a:t>
               </a:r>
-              <a:r>
-                <a:rPr lang="en-US" dirty="0" smtClean="0">
-                  <a:solidFill>
-                    <a:schemeClr val="bg1"/>
-                  </a:solidFill>
-                  <a:latin typeface="Arial Narrow" panose="020B0606020202030204" pitchFamily="34" charset="0"/>
-                </a:rPr>
-                <a:t>SSA</a:t>
-              </a:r>
-              <a:endParaRPr lang="en-US" dirty="0">
-                <a:solidFill>
-                  <a:schemeClr val="bg1"/>
-                </a:solidFill>
-                <a:latin typeface="Arial Narrow" panose="020B0606020202030204" pitchFamily="34" charset="0"/>
-              </a:endParaRPr>
             </a:p>
           </p:txBody>
         </p:sp>
@@ -6513,13 +6336,6 @@
   <p:clrMapOvr>
     <a:masterClrMapping/>
   </p:clrMapOvr>
-  <p:timing>
-    <p:tnLst>
-      <p:par>
-        <p:cTn id="1" dur="indefinite" restart="never" nodeType="tmRoot"/>
-      </p:par>
-    </p:tnLst>
-  </p:timing>
 </p:sld>
 </file>
 
@@ -6561,15 +6377,14 @@
           <a:lstStyle/>
           <a:p>
             <a:r>
-              <a:rPr lang="en-US" dirty="0" smtClean="0"/>
+              <a:rPr lang="en-US" dirty="0"/>
               <a:t>Matrix formulation</a:t>
             </a:r>
-            <a:endParaRPr lang="en-US" dirty="0"/>
           </a:p>
         </p:txBody>
       </p:sp>
-      <mc:AlternateContent xmlns:mc="http://schemas.openxmlformats.org/markup-compatibility/2006">
-        <mc:Choice xmlns:a14="http://schemas.microsoft.com/office/drawing/2010/main" Requires="a14">
+      <mc:AlternateContent xmlns:mc="http://schemas.openxmlformats.org/markup-compatibility/2006" xmlns:a14="http://schemas.microsoft.com/office/drawing/2010/main">
+        <mc:Choice Requires="a14">
           <p:sp>
             <p:nvSpPr>
               <p:cNvPr id="4" name="TextBox 3"/>
@@ -7228,7 +7043,7 @@
             </p:txBody>
           </p:sp>
         </mc:Choice>
-        <mc:Fallback>
+        <mc:Fallback xmlns="">
           <p:sp>
             <p:nvSpPr>
               <p:cNvPr id="4" name="TextBox 3"/>
@@ -7267,8 +7082,8 @@
           </p:sp>
         </mc:Fallback>
       </mc:AlternateContent>
-      <mc:AlternateContent xmlns:mc="http://schemas.openxmlformats.org/markup-compatibility/2006">
-        <mc:Choice xmlns:a14="http://schemas.microsoft.com/office/drawing/2010/main" Requires="a14">
+      <mc:AlternateContent xmlns:mc="http://schemas.openxmlformats.org/markup-compatibility/2006" xmlns:a14="http://schemas.microsoft.com/office/drawing/2010/main">
+        <mc:Choice Requires="a14">
           <p:sp>
             <p:nvSpPr>
               <p:cNvPr id="5" name="Rectangle 4"/>
@@ -7334,7 +7149,7 @@
                   </m:oMath>
                 </a14:m>
                 <a:r>
-                  <a:rPr lang="en-US" sz="2800" dirty="0" smtClean="0"/>
+                  <a:rPr lang="en-US" sz="2800" dirty="0"/>
                   <a:t> = </a:t>
                 </a:r>
                 <a14:m>
@@ -7537,7 +7352,7 @@
             </p:txBody>
           </p:sp>
         </mc:Choice>
-        <mc:Fallback>
+        <mc:Fallback xmlns="">
           <p:sp>
             <p:nvSpPr>
               <p:cNvPr id="5" name="Rectangle 4"/>
@@ -7576,8 +7391,8 @@
           </p:sp>
         </mc:Fallback>
       </mc:AlternateContent>
-      <mc:AlternateContent xmlns:mc="http://schemas.openxmlformats.org/markup-compatibility/2006">
-        <mc:Choice xmlns:a14="http://schemas.microsoft.com/office/drawing/2010/main" Requires="a14">
+      <mc:AlternateContent xmlns:mc="http://schemas.openxmlformats.org/markup-compatibility/2006" xmlns:a14="http://schemas.microsoft.com/office/drawing/2010/main">
+        <mc:Choice Requires="a14">
           <p:sp>
             <p:nvSpPr>
               <p:cNvPr id="6" name="Rectangle 5"/>
@@ -7846,7 +7661,7 @@
             </p:txBody>
           </p:sp>
         </mc:Choice>
-        <mc:Fallback>
+        <mc:Fallback xmlns="">
           <p:sp>
             <p:nvSpPr>
               <p:cNvPr id="6" name="Rectangle 5"/>
@@ -7885,8 +7700,8 @@
           </p:sp>
         </mc:Fallback>
       </mc:AlternateContent>
-      <mc:AlternateContent xmlns:mc="http://schemas.openxmlformats.org/markup-compatibility/2006">
-        <mc:Choice xmlns:a14="http://schemas.microsoft.com/office/drawing/2010/main" Requires="a14">
+      <mc:AlternateContent xmlns:mc="http://schemas.openxmlformats.org/markup-compatibility/2006" xmlns:a14="http://schemas.microsoft.com/office/drawing/2010/main">
+        <mc:Choice Requires="a14">
           <p:sp>
             <p:nvSpPr>
               <p:cNvPr id="7" name="Rectangle 6"/>
@@ -8155,7 +7970,7 @@
             </p:txBody>
           </p:sp>
         </mc:Choice>
-        <mc:Fallback>
+        <mc:Fallback xmlns="">
           <p:sp>
             <p:nvSpPr>
               <p:cNvPr id="7" name="Rectangle 6"/>
@@ -8292,29 +8107,14 @@
             <a:lstStyle/>
             <a:p>
               <a:r>
-                <a:rPr lang="en-US" dirty="0" smtClean="0">
+                <a:rPr lang="en-US" dirty="0">
                   <a:solidFill>
                     <a:schemeClr val="bg1"/>
                   </a:solidFill>
                   <a:latin typeface="Arial Narrow" panose="020B0606020202030204" pitchFamily="34" charset="0"/>
                 </a:rPr>
-                <a:t>Quantitative Tools for </a:t>
+                <a:t>Quantitative Tools for SSA</a:t>
               </a:r>
-              <a:r>
-                <a:rPr lang="en-US" dirty="0" smtClean="0">
-                  <a:solidFill>
-                    <a:schemeClr val="bg1"/>
-                  </a:solidFill>
-                  <a:latin typeface="Arial Narrow" panose="020B0606020202030204" pitchFamily="34" charset="0"/>
-                </a:rPr>
-                <a:t>SSA</a:t>
-              </a:r>
-              <a:endParaRPr lang="en-US" dirty="0">
-                <a:solidFill>
-                  <a:schemeClr val="bg1"/>
-                </a:solidFill>
-                <a:latin typeface="Arial Narrow" panose="020B0606020202030204" pitchFamily="34" charset="0"/>
-              </a:endParaRPr>
             </a:p>
           </p:txBody>
         </p:sp>
@@ -8370,13 +8170,6 @@
   <p:clrMapOvr>
     <a:masterClrMapping/>
   </p:clrMapOvr>
-  <p:timing>
-    <p:tnLst>
-      <p:par>
-        <p:cTn id="1" dur="indefinite" restart="never" nodeType="tmRoot"/>
-      </p:par>
-    </p:tnLst>
-  </p:timing>
 </p:sld>
 </file>
 
@@ -8413,10 +8206,9 @@
           <a:lstStyle/>
           <a:p>
             <a:r>
-              <a:rPr lang="en-US" dirty="0" smtClean="0"/>
+              <a:rPr lang="en-US" dirty="0"/>
               <a:t>Example output</a:t>
             </a:r>
-            <a:endParaRPr lang="en-US" dirty="0"/>
           </a:p>
         </p:txBody>
       </p:sp>
@@ -8502,29 +8294,14 @@
             <a:lstStyle/>
             <a:p>
               <a:r>
-                <a:rPr lang="en-US" dirty="0" smtClean="0">
+                <a:rPr lang="en-US" dirty="0">
                   <a:solidFill>
                     <a:schemeClr val="bg1"/>
                   </a:solidFill>
                   <a:latin typeface="Arial Narrow" panose="020B0606020202030204" pitchFamily="34" charset="0"/>
                 </a:rPr>
-                <a:t>Quantitative Tools for </a:t>
+                <a:t>Quantitative Tools for SSA</a:t>
               </a:r>
-              <a:r>
-                <a:rPr lang="en-US" dirty="0" smtClean="0">
-                  <a:solidFill>
-                    <a:schemeClr val="bg1"/>
-                  </a:solidFill>
-                  <a:latin typeface="Arial Narrow" panose="020B0606020202030204" pitchFamily="34" charset="0"/>
-                </a:rPr>
-                <a:t>SSA</a:t>
-              </a:r>
-              <a:endParaRPr lang="en-US" dirty="0">
-                <a:solidFill>
-                  <a:schemeClr val="bg1"/>
-                </a:solidFill>
-                <a:latin typeface="Arial Narrow" panose="020B0606020202030204" pitchFamily="34" charset="0"/>
-              </a:endParaRPr>
             </a:p>
           </p:txBody>
         </p:sp>
@@ -8580,13 +8357,6 @@
   <p:clrMapOvr>
     <a:masterClrMapping/>
   </p:clrMapOvr>
-  <p:timing>
-    <p:tnLst>
-      <p:par>
-        <p:cTn id="1" dur="indefinite" restart="never" nodeType="tmRoot"/>
-      </p:par>
-    </p:tnLst>
-  </p:timing>
 </p:sld>
 </file>
 
@@ -8623,10 +8393,9 @@
           <a:lstStyle/>
           <a:p>
             <a:r>
-              <a:rPr lang="en-US" dirty="0" smtClean="0"/>
+              <a:rPr lang="en-US" dirty="0"/>
               <a:t>Environmental effects on probabilities</a:t>
             </a:r>
-            <a:endParaRPr lang="en-US" dirty="0"/>
           </a:p>
         </p:txBody>
       </p:sp>
@@ -9225,29 +8994,14 @@
             <a:lstStyle/>
             <a:p>
               <a:r>
-                <a:rPr lang="en-US" dirty="0" smtClean="0">
+                <a:rPr lang="en-US" dirty="0">
                   <a:solidFill>
                     <a:schemeClr val="bg1"/>
                   </a:solidFill>
                   <a:latin typeface="Arial Narrow" panose="020B0606020202030204" pitchFamily="34" charset="0"/>
                 </a:rPr>
-                <a:t>Quantitative Tools for </a:t>
+                <a:t>Quantitative Tools for SSA</a:t>
               </a:r>
-              <a:r>
-                <a:rPr lang="en-US" dirty="0" smtClean="0">
-                  <a:solidFill>
-                    <a:schemeClr val="bg1"/>
-                  </a:solidFill>
-                  <a:latin typeface="Arial Narrow" panose="020B0606020202030204" pitchFamily="34" charset="0"/>
-                </a:rPr>
-                <a:t>SSA</a:t>
-              </a:r>
-              <a:endParaRPr lang="en-US" dirty="0">
-                <a:solidFill>
-                  <a:schemeClr val="bg1"/>
-                </a:solidFill>
-                <a:latin typeface="Arial Narrow" panose="020B0606020202030204" pitchFamily="34" charset="0"/>
-              </a:endParaRPr>
             </a:p>
           </p:txBody>
         </p:sp>
@@ -9303,13 +9057,6 @@
   <p:clrMapOvr>
     <a:masterClrMapping/>
   </p:clrMapOvr>
-  <p:timing>
-    <p:tnLst>
-      <p:par>
-        <p:cTn id="1" dur="indefinite" restart="never" nodeType="tmRoot"/>
-      </p:par>
-    </p:tnLst>
-  </p:timing>
 </p:sld>
 </file>
 
@@ -9766,29 +9513,14 @@
             <a:lstStyle/>
             <a:p>
               <a:r>
-                <a:rPr lang="en-US" dirty="0" smtClean="0">
+                <a:rPr lang="en-US" dirty="0">
                   <a:solidFill>
                     <a:schemeClr val="bg1"/>
                   </a:solidFill>
                   <a:latin typeface="Arial Narrow" panose="020B0606020202030204" pitchFamily="34" charset="0"/>
                 </a:rPr>
-                <a:t>Quantitative Tools for </a:t>
+                <a:t>Quantitative Tools for SSA</a:t>
               </a:r>
-              <a:r>
-                <a:rPr lang="en-US" dirty="0" smtClean="0">
-                  <a:solidFill>
-                    <a:schemeClr val="bg1"/>
-                  </a:solidFill>
-                  <a:latin typeface="Arial Narrow" panose="020B0606020202030204" pitchFamily="34" charset="0"/>
-                </a:rPr>
-                <a:t>SSA</a:t>
-              </a:r>
-              <a:endParaRPr lang="en-US" dirty="0">
-                <a:solidFill>
-                  <a:schemeClr val="bg1"/>
-                </a:solidFill>
-                <a:latin typeface="Arial Narrow" panose="020B0606020202030204" pitchFamily="34" charset="0"/>
-              </a:endParaRPr>
             </a:p>
           </p:txBody>
         </p:sp>
@@ -10272,10 +10004,9 @@
           <a:lstStyle/>
           <a:p>
             <a:r>
-              <a:rPr lang="en-US" dirty="0" smtClean="0"/>
+              <a:rPr lang="en-US" dirty="0"/>
               <a:t>Conditional Logical functions</a:t>
             </a:r>
-            <a:endParaRPr lang="en-US" dirty="0"/>
           </a:p>
         </p:txBody>
       </p:sp>
@@ -10297,34 +10028,34 @@
               <a:lstStyle/>
               <a:p>
                 <a:r>
-                  <a:rPr lang="en-US" dirty="0" smtClean="0"/>
+                  <a:rPr lang="en-US" dirty="0"/>
                   <a:t>Link population parameters to environmental conditions by discrete logic function</a:t>
                 </a:r>
               </a:p>
               <a:p>
                 <a:pPr lvl="1"/>
                 <a:r>
-                  <a:rPr lang="en-US" dirty="0" smtClean="0"/>
+                  <a:rPr lang="en-US" dirty="0"/>
                   <a:t>“</a:t>
                 </a:r>
                 <a:r>
-                  <a:rPr lang="en-US" i="1" dirty="0" smtClean="0"/>
+                  <a:rPr lang="en-US" i="1" dirty="0"/>
                   <a:t>If environmental variable </a:t>
                 </a:r>
                 <a:r>
-                  <a:rPr lang="en-US" i="1" dirty="0" err="1" smtClean="0"/>
+                  <a:rPr lang="en-US" i="1" dirty="0" err="1"/>
                   <a:t>i</a:t>
                 </a:r>
                 <a:r>
-                  <a:rPr lang="en-US" i="1" dirty="0" smtClean="0"/>
+                  <a:rPr lang="en-US" i="1" dirty="0"/>
                   <a:t> ≥ x1  and </a:t>
                 </a:r>
                 <a:r>
-                  <a:rPr lang="en-US" i="1" dirty="0" err="1" smtClean="0"/>
+                  <a:rPr lang="en-US" i="1" dirty="0" err="1"/>
                   <a:t>i</a:t>
                 </a:r>
                 <a:r>
-                  <a:rPr lang="en-US" i="1" dirty="0" smtClean="0"/>
+                  <a:rPr lang="en-US" i="1" dirty="0"/>
                   <a:t> &lt; x2, then </a:t>
                 </a:r>
                 <a14:m>
@@ -10350,7 +10081,7 @@
                   </m:oMath>
                 </a14:m>
                 <a:r>
-                  <a:rPr lang="en-US" i="1" dirty="0" smtClean="0"/>
+                  <a:rPr lang="en-US" i="1" dirty="0"/>
                   <a:t> = 0.79, else </a:t>
                 </a:r>
                 <a14:m>
@@ -10377,17 +10108,13 @@
                 </a14:m>
                 <a:r>
                   <a:rPr lang="en-US" i="1" dirty="0"/>
-                  <a:t> </a:t>
-                </a:r>
-                <a:r>
-                  <a:rPr lang="en-US" i="1" dirty="0" smtClean="0"/>
-                  <a:t>= 0.92”</a:t>
+                  <a:t> = 0.92”</a:t>
                 </a:r>
               </a:p>
               <a:p>
                 <a:pPr lvl="2"/>
                 <a:r>
-                  <a:rPr lang="en-US" dirty="0" smtClean="0"/>
+                  <a:rPr lang="en-US" dirty="0"/>
                   <a:t>Mean </a:t>
                 </a:r>
                 <a14:m>
@@ -10401,10 +10128,9 @@
                   </m:oMath>
                 </a14:m>
                 <a:r>
-                  <a:rPr lang="en-US" dirty="0" smtClean="0"/>
+                  <a:rPr lang="en-US" dirty="0"/>
                   <a:t> decreases when the value of I falls between x1 and x2.</a:t>
                 </a:r>
-                <a:endParaRPr lang="en-US" dirty="0"/>
               </a:p>
             </p:txBody>
           </p:sp>
@@ -10501,29 +10227,14 @@
             <a:lstStyle/>
             <a:p>
               <a:r>
-                <a:rPr lang="en-US" dirty="0" smtClean="0">
+                <a:rPr lang="en-US" dirty="0">
                   <a:solidFill>
                     <a:schemeClr val="bg1"/>
                   </a:solidFill>
                   <a:latin typeface="Arial Narrow" panose="020B0606020202030204" pitchFamily="34" charset="0"/>
                 </a:rPr>
-                <a:t>Quantitative Tools for </a:t>
+                <a:t>Quantitative Tools for SSA</a:t>
               </a:r>
-              <a:r>
-                <a:rPr lang="en-US" dirty="0" smtClean="0">
-                  <a:solidFill>
-                    <a:schemeClr val="bg1"/>
-                  </a:solidFill>
-                  <a:latin typeface="Arial Narrow" panose="020B0606020202030204" pitchFamily="34" charset="0"/>
-                </a:rPr>
-                <a:t>SSA</a:t>
-              </a:r>
-              <a:endParaRPr lang="en-US" dirty="0">
-                <a:solidFill>
-                  <a:schemeClr val="bg1"/>
-                </a:solidFill>
-                <a:latin typeface="Arial Narrow" panose="020B0606020202030204" pitchFamily="34" charset="0"/>
-              </a:endParaRPr>
             </a:p>
           </p:txBody>
         </p:sp>
@@ -10579,13 +10290,6 @@
   <p:clrMapOvr>
     <a:masterClrMapping/>
   </p:clrMapOvr>
-  <p:timing>
-    <p:tnLst>
-      <p:par>
-        <p:cTn id="1" dur="indefinite" restart="never" nodeType="tmRoot"/>
-      </p:par>
-    </p:tnLst>
-  </p:timing>
 </p:sld>
 </file>
 
@@ -10622,10 +10326,9 @@
           <a:lstStyle/>
           <a:p>
             <a:r>
-              <a:rPr lang="en-US" dirty="0" smtClean="0"/>
+              <a:rPr lang="en-US" dirty="0"/>
               <a:t>Continuous functions</a:t>
             </a:r>
-            <a:endParaRPr lang="en-US" dirty="0"/>
           </a:p>
         </p:txBody>
       </p:sp>
@@ -10712,29 +10415,14 @@
             <a:lstStyle/>
             <a:p>
               <a:r>
-                <a:rPr lang="en-US" dirty="0" smtClean="0">
+                <a:rPr lang="en-US" dirty="0">
                   <a:solidFill>
                     <a:schemeClr val="bg1"/>
                   </a:solidFill>
                   <a:latin typeface="Arial Narrow" panose="020B0606020202030204" pitchFamily="34" charset="0"/>
                 </a:rPr>
-                <a:t>Quantitative Tools for </a:t>
+                <a:t>Quantitative Tools for SSA</a:t>
               </a:r>
-              <a:r>
-                <a:rPr lang="en-US" dirty="0" smtClean="0">
-                  <a:solidFill>
-                    <a:schemeClr val="bg1"/>
-                  </a:solidFill>
-                  <a:latin typeface="Arial Narrow" panose="020B0606020202030204" pitchFamily="34" charset="0"/>
-                </a:rPr>
-                <a:t>SSA</a:t>
-              </a:r>
-              <a:endParaRPr lang="en-US" dirty="0">
-                <a:solidFill>
-                  <a:schemeClr val="bg1"/>
-                </a:solidFill>
-                <a:latin typeface="Arial Narrow" panose="020B0606020202030204" pitchFamily="34" charset="0"/>
-              </a:endParaRPr>
             </a:p>
           </p:txBody>
         </p:sp>
@@ -10790,13 +10478,6 @@
   <p:clrMapOvr>
     <a:masterClrMapping/>
   </p:clrMapOvr>
-  <p:timing>
-    <p:tnLst>
-      <p:par>
-        <p:cTn id="1" dur="indefinite" restart="never" nodeType="tmRoot"/>
-      </p:par>
-    </p:tnLst>
-  </p:timing>
 </p:sld>
 </file>
 
@@ -10833,10 +10514,9 @@
           <a:lstStyle/>
           <a:p>
             <a:r>
-              <a:rPr lang="en-US" dirty="0" smtClean="0"/>
+              <a:rPr lang="en-US" dirty="0"/>
               <a:t>Site occupancy projection</a:t>
             </a:r>
-            <a:endParaRPr lang="en-US" dirty="0"/>
           </a:p>
         </p:txBody>
       </p:sp>
@@ -11085,29 +10765,14 @@
             <a:lstStyle/>
             <a:p>
               <a:r>
-                <a:rPr lang="en-US" dirty="0" smtClean="0">
+                <a:rPr lang="en-US" dirty="0">
                   <a:solidFill>
                     <a:schemeClr val="bg1"/>
                   </a:solidFill>
                   <a:latin typeface="Arial Narrow" panose="020B0606020202030204" pitchFamily="34" charset="0"/>
                 </a:rPr>
-                <a:t>Quantitative Tools for </a:t>
+                <a:t>Quantitative Tools for SSA</a:t>
               </a:r>
-              <a:r>
-                <a:rPr lang="en-US" dirty="0" smtClean="0">
-                  <a:solidFill>
-                    <a:schemeClr val="bg1"/>
-                  </a:solidFill>
-                  <a:latin typeface="Arial Narrow" panose="020B0606020202030204" pitchFamily="34" charset="0"/>
-                </a:rPr>
-                <a:t>SSA</a:t>
-              </a:r>
-              <a:endParaRPr lang="en-US" dirty="0">
-                <a:solidFill>
-                  <a:schemeClr val="bg1"/>
-                </a:solidFill>
-                <a:latin typeface="Arial Narrow" panose="020B0606020202030204" pitchFamily="34" charset="0"/>
-              </a:endParaRPr>
             </a:p>
           </p:txBody>
         </p:sp>
@@ -11163,13 +10828,6 @@
   <p:clrMapOvr>
     <a:masterClrMapping/>
   </p:clrMapOvr>
-  <p:timing>
-    <p:tnLst>
-      <p:par>
-        <p:cTn id="1" dur="indefinite" restart="never" nodeType="tmRoot"/>
-      </p:par>
-    </p:tnLst>
-  </p:timing>
 </p:sld>
 </file>
 
@@ -11206,10 +10864,9 @@
           <a:lstStyle/>
           <a:p>
             <a:r>
-              <a:rPr lang="en-US" dirty="0" smtClean="0"/>
+              <a:rPr lang="en-US" dirty="0"/>
               <a:t>Measurement error</a:t>
             </a:r>
-            <a:endParaRPr lang="en-US" dirty="0"/>
           </a:p>
         </p:txBody>
       </p:sp>
@@ -11229,57 +10886,56 @@
           <a:lstStyle/>
           <a:p>
             <a:r>
-              <a:rPr lang="en-US" dirty="0" smtClean="0"/>
+              <a:rPr lang="en-US" dirty="0"/>
               <a:t>Simulation data assume perfect knowledge of the system</a:t>
             </a:r>
           </a:p>
           <a:p>
             <a:pPr lvl="1"/>
             <a:r>
-              <a:rPr lang="en-US" dirty="0" smtClean="0"/>
+              <a:rPr lang="en-US" dirty="0"/>
               <a:t>I.e., no partial observability/observation error in monitoring data</a:t>
             </a:r>
           </a:p>
           <a:p>
             <a:r>
-              <a:rPr lang="en-US" dirty="0" smtClean="0"/>
+              <a:rPr lang="en-US" dirty="0"/>
               <a:t>May be important to add observation error to output from the models</a:t>
             </a:r>
           </a:p>
           <a:p>
             <a:pPr lvl="1"/>
             <a:r>
-              <a:rPr lang="en-US" dirty="0" smtClean="0"/>
+              <a:rPr lang="en-US" dirty="0"/>
               <a:t>Recovery planning</a:t>
             </a:r>
           </a:p>
           <a:p>
             <a:pPr lvl="1"/>
             <a:r>
-              <a:rPr lang="en-US" dirty="0" smtClean="0"/>
+              <a:rPr lang="en-US" dirty="0"/>
               <a:t>Section 7 planning</a:t>
             </a:r>
           </a:p>
           <a:p>
             <a:pPr lvl="1"/>
             <a:r>
-              <a:rPr lang="en-US" dirty="0" smtClean="0"/>
+              <a:rPr lang="en-US" dirty="0"/>
               <a:t>Delisting decisions</a:t>
             </a:r>
           </a:p>
           <a:p>
             <a:r>
-              <a:rPr lang="en-US" dirty="0" smtClean="0"/>
+              <a:rPr lang="en-US" dirty="0"/>
               <a:t>Observed system response will not match predictions</a:t>
             </a:r>
           </a:p>
           <a:p>
             <a:pPr lvl="1"/>
             <a:r>
-              <a:rPr lang="en-US" dirty="0" smtClean="0"/>
+              <a:rPr lang="en-US" dirty="0"/>
               <a:t>This is the case no matter, but account for all uncertainties might be important</a:t>
             </a:r>
-            <a:endParaRPr lang="en-US" dirty="0"/>
           </a:p>
         </p:txBody>
       </p:sp>
@@ -11341,29 +10997,14 @@
             <a:lstStyle/>
             <a:p>
               <a:r>
-                <a:rPr lang="en-US" dirty="0" smtClean="0">
+                <a:rPr lang="en-US" dirty="0">
                   <a:solidFill>
                     <a:schemeClr val="bg1"/>
                   </a:solidFill>
                   <a:latin typeface="Arial Narrow" panose="020B0606020202030204" pitchFamily="34" charset="0"/>
                 </a:rPr>
-                <a:t>Quantitative Tools for </a:t>
+                <a:t>Quantitative Tools for SSA</a:t>
               </a:r>
-              <a:r>
-                <a:rPr lang="en-US" dirty="0" smtClean="0">
-                  <a:solidFill>
-                    <a:schemeClr val="bg1"/>
-                  </a:solidFill>
-                  <a:latin typeface="Arial Narrow" panose="020B0606020202030204" pitchFamily="34" charset="0"/>
-                </a:rPr>
-                <a:t>SSA</a:t>
-              </a:r>
-              <a:endParaRPr lang="en-US" dirty="0">
-                <a:solidFill>
-                  <a:schemeClr val="bg1"/>
-                </a:solidFill>
-                <a:latin typeface="Arial Narrow" panose="020B0606020202030204" pitchFamily="34" charset="0"/>
-              </a:endParaRPr>
             </a:p>
           </p:txBody>
         </p:sp>
@@ -11419,13 +11060,6 @@
   <p:clrMapOvr>
     <a:masterClrMapping/>
   </p:clrMapOvr>
-  <p:timing>
-    <p:tnLst>
-      <p:par>
-        <p:cTn id="1" dur="indefinite" restart="never" nodeType="tmRoot"/>
-      </p:par>
-    </p:tnLst>
-  </p:timing>
 </p:sld>
 </file>
 
@@ -11462,10 +11096,9 @@
           <a:lstStyle/>
           <a:p>
             <a:r>
-              <a:rPr lang="en-US" dirty="0" smtClean="0"/>
+              <a:rPr lang="en-US" dirty="0"/>
               <a:t>Modify model outputs </a:t>
             </a:r>
-            <a:endParaRPr lang="en-US" dirty="0"/>
           </a:p>
         </p:txBody>
       </p:sp>
@@ -11485,7 +11118,7 @@
           <a:lstStyle/>
           <a:p>
             <a:r>
-              <a:rPr lang="en-US" dirty="0" smtClean="0"/>
+              <a:rPr lang="en-US" dirty="0"/>
               <a:t>Randomized adjustments to model output data</a:t>
             </a:r>
           </a:p>
@@ -11497,16 +11130,8 @@
               <a:buNone/>
             </a:pPr>
             <a:r>
-              <a:rPr lang="en-US" dirty="0" smtClean="0"/>
-              <a:t>Spread </a:t>
-            </a:r>
-            <a:r>
               <a:rPr lang="en-US" dirty="0"/>
-              <a:t>s</a:t>
-            </a:r>
-            <a:r>
-              <a:rPr lang="en-US" dirty="0" smtClean="0"/>
-              <a:t>heet example</a:t>
+              <a:t>Spread sheet example</a:t>
             </a:r>
           </a:p>
         </p:txBody>
@@ -11569,29 +11194,14 @@
             <a:lstStyle/>
             <a:p>
               <a:r>
-                <a:rPr lang="en-US" dirty="0" smtClean="0">
+                <a:rPr lang="en-US" dirty="0">
                   <a:solidFill>
                     <a:schemeClr val="bg1"/>
                   </a:solidFill>
                   <a:latin typeface="Arial Narrow" panose="020B0606020202030204" pitchFamily="34" charset="0"/>
                 </a:rPr>
-                <a:t>Quantitative Tools for </a:t>
+                <a:t>Quantitative Tools for SSA</a:t>
               </a:r>
-              <a:r>
-                <a:rPr lang="en-US" dirty="0" smtClean="0">
-                  <a:solidFill>
-                    <a:schemeClr val="bg1"/>
-                  </a:solidFill>
-                  <a:latin typeface="Arial Narrow" panose="020B0606020202030204" pitchFamily="34" charset="0"/>
-                </a:rPr>
-                <a:t>SSA</a:t>
-              </a:r>
-              <a:endParaRPr lang="en-US" dirty="0">
-                <a:solidFill>
-                  <a:schemeClr val="bg1"/>
-                </a:solidFill>
-                <a:latin typeface="Arial Narrow" panose="020B0606020202030204" pitchFamily="34" charset="0"/>
-              </a:endParaRPr>
             </a:p>
           </p:txBody>
         </p:sp>
@@ -11647,13 +11257,6 @@
   <p:clrMapOvr>
     <a:masterClrMapping/>
   </p:clrMapOvr>
-  <p:timing>
-    <p:tnLst>
-      <p:par>
-        <p:cTn id="1" dur="indefinite" restart="never" nodeType="tmRoot"/>
-      </p:par>
-    </p:tnLst>
-  </p:timing>
 </p:sld>
 </file>
 
@@ -11690,10 +11293,9 @@
           <a:lstStyle/>
           <a:p>
             <a:r>
-              <a:rPr lang="en-US" dirty="0" smtClean="0"/>
+              <a:rPr lang="en-US" dirty="0"/>
               <a:t>Questions?</a:t>
             </a:r>
-            <a:endParaRPr lang="en-US" dirty="0"/>
           </a:p>
         </p:txBody>
       </p:sp>
@@ -11774,29 +11376,14 @@
             <a:lstStyle/>
             <a:p>
               <a:r>
-                <a:rPr lang="en-US" dirty="0" smtClean="0">
+                <a:rPr lang="en-US" dirty="0">
                   <a:solidFill>
                     <a:schemeClr val="bg1"/>
                   </a:solidFill>
                   <a:latin typeface="Arial Narrow" panose="020B0606020202030204" pitchFamily="34" charset="0"/>
                 </a:rPr>
-                <a:t>Quantitative Tools for </a:t>
+                <a:t>Quantitative Tools for SSA</a:t>
               </a:r>
-              <a:r>
-                <a:rPr lang="en-US" dirty="0" smtClean="0">
-                  <a:solidFill>
-                    <a:schemeClr val="bg1"/>
-                  </a:solidFill>
-                  <a:latin typeface="Arial Narrow" panose="020B0606020202030204" pitchFamily="34" charset="0"/>
-                </a:rPr>
-                <a:t>SSA</a:t>
-              </a:r>
-              <a:endParaRPr lang="en-US" dirty="0">
-                <a:solidFill>
-                  <a:schemeClr val="bg1"/>
-                </a:solidFill>
-                <a:latin typeface="Arial Narrow" panose="020B0606020202030204" pitchFamily="34" charset="0"/>
-              </a:endParaRPr>
             </a:p>
           </p:txBody>
         </p:sp>
@@ -11852,13 +11439,6 @@
   <p:clrMapOvr>
     <a:masterClrMapping/>
   </p:clrMapOvr>
-  <p:timing>
-    <p:tnLst>
-      <p:par>
-        <p:cTn id="1" dur="indefinite" restart="never" nodeType="tmRoot"/>
-      </p:par>
-    </p:tnLst>
-  </p:timing>
 </p:sld>
 </file>
 
@@ -11895,10 +11475,9 @@
           <a:lstStyle/>
           <a:p>
             <a:r>
-              <a:rPr lang="en-US" dirty="0" smtClean="0"/>
+              <a:rPr lang="en-US" dirty="0"/>
               <a:t>Essentially a weighted coin flip</a:t>
             </a:r>
-            <a:endParaRPr lang="en-US" dirty="0"/>
           </a:p>
         </p:txBody>
       </p:sp>
@@ -12003,29 +11582,14 @@
             <a:lstStyle/>
             <a:p>
               <a:r>
-                <a:rPr lang="en-US" dirty="0" smtClean="0">
+                <a:rPr lang="en-US" dirty="0">
                   <a:solidFill>
                     <a:schemeClr val="bg1"/>
                   </a:solidFill>
                   <a:latin typeface="Arial Narrow" panose="020B0606020202030204" pitchFamily="34" charset="0"/>
                 </a:rPr>
-                <a:t>Quantitative Tools for </a:t>
+                <a:t>Quantitative Tools for SSA</a:t>
               </a:r>
-              <a:r>
-                <a:rPr lang="en-US" dirty="0" smtClean="0">
-                  <a:solidFill>
-                    <a:schemeClr val="bg1"/>
-                  </a:solidFill>
-                  <a:latin typeface="Arial Narrow" panose="020B0606020202030204" pitchFamily="34" charset="0"/>
-                </a:rPr>
-                <a:t>SSA</a:t>
-              </a:r>
-              <a:endParaRPr lang="en-US" dirty="0">
-                <a:solidFill>
-                  <a:schemeClr val="bg1"/>
-                </a:solidFill>
-                <a:latin typeface="Arial Narrow" panose="020B0606020202030204" pitchFamily="34" charset="0"/>
-              </a:endParaRPr>
             </a:p>
           </p:txBody>
         </p:sp>
@@ -12081,13 +11645,6 @@
   <p:clrMapOvr>
     <a:masterClrMapping/>
   </p:clrMapOvr>
-  <p:timing>
-    <p:tnLst>
-      <p:par>
-        <p:cTn id="1" dur="indefinite" restart="never" nodeType="tmRoot"/>
-      </p:par>
-    </p:tnLst>
-  </p:timing>
 </p:sld>
 </file>
 
@@ -12251,10 +11808,9 @@
           <a:lstStyle/>
           <a:p>
             <a:r>
-              <a:rPr lang="en-US" dirty="0" smtClean="0"/>
+              <a:rPr lang="en-US" dirty="0"/>
               <a:t>1</a:t>
             </a:r>
-            <a:endParaRPr lang="en-US" dirty="0"/>
           </a:p>
         </p:txBody>
       </p:sp>
@@ -12281,10 +11837,9 @@
           <a:lstStyle/>
           <a:p>
             <a:r>
-              <a:rPr lang="en-US" dirty="0" smtClean="0"/>
+              <a:rPr lang="en-US" dirty="0"/>
               <a:t>0</a:t>
             </a:r>
-            <a:endParaRPr lang="en-US" dirty="0"/>
           </a:p>
         </p:txBody>
       </p:sp>
@@ -12460,29 +12015,14 @@
             <a:lstStyle/>
             <a:p>
               <a:r>
-                <a:rPr lang="en-US" dirty="0" smtClean="0">
+                <a:rPr lang="en-US" dirty="0">
                   <a:solidFill>
                     <a:schemeClr val="bg1"/>
                   </a:solidFill>
                   <a:latin typeface="Arial Narrow" panose="020B0606020202030204" pitchFamily="34" charset="0"/>
                 </a:rPr>
-                <a:t>Quantitative Tools for </a:t>
+                <a:t>Quantitative Tools for SSA</a:t>
               </a:r>
-              <a:r>
-                <a:rPr lang="en-US" dirty="0" smtClean="0">
-                  <a:solidFill>
-                    <a:schemeClr val="bg1"/>
-                  </a:solidFill>
-                  <a:latin typeface="Arial Narrow" panose="020B0606020202030204" pitchFamily="34" charset="0"/>
-                </a:rPr>
-                <a:t>SSA</a:t>
-              </a:r>
-              <a:endParaRPr lang="en-US" dirty="0">
-                <a:solidFill>
-                  <a:schemeClr val="bg1"/>
-                </a:solidFill>
-                <a:latin typeface="Arial Narrow" panose="020B0606020202030204" pitchFamily="34" charset="0"/>
-              </a:endParaRPr>
             </a:p>
           </p:txBody>
         </p:sp>
@@ -12844,29 +12384,14 @@
             <a:lstStyle/>
             <a:p>
               <a:r>
-                <a:rPr lang="en-US" dirty="0" smtClean="0">
+                <a:rPr lang="en-US" dirty="0">
                   <a:solidFill>
                     <a:schemeClr val="bg1"/>
                   </a:solidFill>
                   <a:latin typeface="Arial Narrow" panose="020B0606020202030204" pitchFamily="34" charset="0"/>
                 </a:rPr>
-                <a:t>Quantitative Tools for </a:t>
+                <a:t>Quantitative Tools for SSA</a:t>
               </a:r>
-              <a:r>
-                <a:rPr lang="en-US" dirty="0" smtClean="0">
-                  <a:solidFill>
-                    <a:schemeClr val="bg1"/>
-                  </a:solidFill>
-                  <a:latin typeface="Arial Narrow" panose="020B0606020202030204" pitchFamily="34" charset="0"/>
-                </a:rPr>
-                <a:t>SSA</a:t>
-              </a:r>
-              <a:endParaRPr lang="en-US" dirty="0">
-                <a:solidFill>
-                  <a:schemeClr val="bg1"/>
-                </a:solidFill>
-                <a:latin typeface="Arial Narrow" panose="020B0606020202030204" pitchFamily="34" charset="0"/>
-              </a:endParaRPr>
             </a:p>
           </p:txBody>
         </p:sp>
@@ -13580,11 +13105,11 @@
           <a:lstStyle/>
           <a:p>
             <a:r>
-              <a:rPr lang="en-US" sz="3600" i="1" dirty="0" smtClean="0"/>
+              <a:rPr lang="en-US" sz="3600" i="1" dirty="0"/>
               <a:t>P </a:t>
             </a:r>
             <a:r>
-              <a:rPr lang="en-US" sz="3600" dirty="0" smtClean="0"/>
+              <a:rPr lang="en-US" sz="3600" dirty="0"/>
               <a:t>can be a function of environmental factors</a:t>
             </a:r>
             <a:endParaRPr lang="en-US" sz="3600" i="1" dirty="0"/>
@@ -13614,10 +13139,9 @@
           <a:lstStyle/>
           <a:p>
             <a:r>
-              <a:rPr lang="en-US" dirty="0" smtClean="0"/>
+              <a:rPr lang="en-US" dirty="0"/>
               <a:t>These effects and relationships are estimated from data (i.e., the needs analysis) or elicited from experts</a:t>
             </a:r>
-            <a:endParaRPr lang="en-US" dirty="0"/>
           </a:p>
         </p:txBody>
       </p:sp>
@@ -13896,29 +13420,14 @@
             <a:lstStyle/>
             <a:p>
               <a:r>
-                <a:rPr lang="en-US" dirty="0" smtClean="0">
+                <a:rPr lang="en-US" dirty="0">
                   <a:solidFill>
                     <a:schemeClr val="bg1"/>
                   </a:solidFill>
                   <a:latin typeface="Arial Narrow" panose="020B0606020202030204" pitchFamily="34" charset="0"/>
                 </a:rPr>
-                <a:t>Quantitative Tools for </a:t>
+                <a:t>Quantitative Tools for SSA</a:t>
               </a:r>
-              <a:r>
-                <a:rPr lang="en-US" dirty="0" smtClean="0">
-                  <a:solidFill>
-                    <a:schemeClr val="bg1"/>
-                  </a:solidFill>
-                  <a:latin typeface="Arial Narrow" panose="020B0606020202030204" pitchFamily="34" charset="0"/>
-                </a:rPr>
-                <a:t>SSA</a:t>
-              </a:r>
-              <a:endParaRPr lang="en-US" dirty="0">
-                <a:solidFill>
-                  <a:schemeClr val="bg1"/>
-                </a:solidFill>
-                <a:latin typeface="Arial Narrow" panose="020B0606020202030204" pitchFamily="34" charset="0"/>
-              </a:endParaRPr>
             </a:p>
           </p:txBody>
         </p:sp>
@@ -13985,10 +13494,9 @@
           <a:lstStyle/>
           <a:p>
             <a:r>
-              <a:rPr lang="en-US" dirty="0" smtClean="0"/>
+              <a:rPr lang="en-US" dirty="0"/>
               <a:t>Multiple replicates</a:t>
             </a:r>
-            <a:endParaRPr lang="en-US" dirty="0"/>
           </a:p>
         </p:txBody>
       </p:sp>
@@ -17398,13 +16906,6 @@
   <p:clrMapOvr>
     <a:masterClrMapping/>
   </p:clrMapOvr>
-  <p:timing>
-    <p:tnLst>
-      <p:par>
-        <p:cTn id="1" dur="indefinite" restart="never" nodeType="tmRoot"/>
-      </p:par>
-    </p:tnLst>
-  </p:timing>
 </p:sld>
 </file>
 
@@ -17446,10 +16947,9 @@
           <a:lstStyle/>
           <a:p>
             <a:r>
-              <a:rPr lang="en-US" dirty="0" smtClean="0"/>
+              <a:rPr lang="en-US" dirty="0"/>
               <a:t>Spread sheet example</a:t>
             </a:r>
-            <a:endParaRPr lang="en-US" dirty="0"/>
           </a:p>
         </p:txBody>
       </p:sp>
@@ -17512,10 +17012,9 @@
           <a:lstStyle/>
           <a:p>
             <a:r>
-              <a:rPr lang="en-US" dirty="0" smtClean="0"/>
+              <a:rPr lang="en-US" dirty="0"/>
               <a:t>Persistence, near 1.0 – stream conditions (e.g., predators, length, etc.</a:t>
             </a:r>
-            <a:endParaRPr lang="en-US" dirty="0"/>
           </a:p>
         </p:txBody>
       </p:sp>
@@ -17594,18 +17093,13 @@
           <a:p>
             <a:pPr algn="ctr"/>
             <a:r>
-              <a:rPr lang="en-US" dirty="0" smtClean="0">
+              <a:rPr lang="en-US" dirty="0">
                 <a:solidFill>
                   <a:schemeClr val="tx1"/>
                 </a:solidFill>
               </a:rPr>
               <a:t>Sum of replicates that are occupied at year 10</a:t>
             </a:r>
-            <a:endParaRPr lang="en-US" dirty="0">
-              <a:solidFill>
-                <a:schemeClr val="tx1"/>
-              </a:solidFill>
-            </a:endParaRPr>
           </a:p>
         </p:txBody>
       </p:sp>
@@ -17702,29 +17196,14 @@
             <a:lstStyle/>
             <a:p>
               <a:r>
-                <a:rPr lang="en-US" dirty="0" smtClean="0">
+                <a:rPr lang="en-US" dirty="0">
                   <a:solidFill>
                     <a:schemeClr val="bg1"/>
                   </a:solidFill>
                   <a:latin typeface="Arial Narrow" panose="020B0606020202030204" pitchFamily="34" charset="0"/>
                 </a:rPr>
-                <a:t>Quantitative Tools for </a:t>
+                <a:t>Quantitative Tools for SSA</a:t>
               </a:r>
-              <a:r>
-                <a:rPr lang="en-US" dirty="0" smtClean="0">
-                  <a:solidFill>
-                    <a:schemeClr val="bg1"/>
-                  </a:solidFill>
-                  <a:latin typeface="Arial Narrow" panose="020B0606020202030204" pitchFamily="34" charset="0"/>
-                </a:rPr>
-                <a:t>SSA</a:t>
-              </a:r>
-              <a:endParaRPr lang="en-US" dirty="0">
-                <a:solidFill>
-                  <a:schemeClr val="bg1"/>
-                </a:solidFill>
-                <a:latin typeface="Arial Narrow" panose="020B0606020202030204" pitchFamily="34" charset="0"/>
-              </a:endParaRPr>
             </a:p>
           </p:txBody>
         </p:sp>
@@ -18050,29 +17529,14 @@
             <a:lstStyle/>
             <a:p>
               <a:r>
-                <a:rPr lang="en-US" dirty="0" smtClean="0">
+                <a:rPr lang="en-US" dirty="0">
                   <a:solidFill>
                     <a:schemeClr val="bg1"/>
                   </a:solidFill>
                   <a:latin typeface="Arial Narrow" panose="020B0606020202030204" pitchFamily="34" charset="0"/>
                 </a:rPr>
-                <a:t>Quantitative Tools for </a:t>
+                <a:t>Quantitative Tools for SSA</a:t>
               </a:r>
-              <a:r>
-                <a:rPr lang="en-US" dirty="0" smtClean="0">
-                  <a:solidFill>
-                    <a:schemeClr val="bg1"/>
-                  </a:solidFill>
-                  <a:latin typeface="Arial Narrow" panose="020B0606020202030204" pitchFamily="34" charset="0"/>
-                </a:rPr>
-                <a:t>SSA</a:t>
-              </a:r>
-              <a:endParaRPr lang="en-US" dirty="0">
-                <a:solidFill>
-                  <a:schemeClr val="bg1"/>
-                </a:solidFill>
-                <a:latin typeface="Arial Narrow" panose="020B0606020202030204" pitchFamily="34" charset="0"/>
-              </a:endParaRPr>
             </a:p>
           </p:txBody>
         </p:sp>
@@ -18134,10 +17598,9 @@
           <a:lstStyle/>
           <a:p>
             <a:r>
-              <a:rPr lang="en-US" dirty="0" smtClean="0"/>
+              <a:rPr lang="en-US" dirty="0"/>
               <a:t>Occupancy projection models</a:t>
             </a:r>
-            <a:endParaRPr lang="en-US" dirty="0"/>
           </a:p>
         </p:txBody>
       </p:sp>
@@ -18179,13 +17642,8 @@
             <a:pPr algn="ctr"/>
             <a:r>
               <a:rPr lang="en-US" dirty="0"/>
-              <a:t>Site </a:t>
+              <a:t>Site in state 1</a:t>
             </a:r>
-            <a:r>
-              <a:rPr lang="en-US" dirty="0" smtClean="0"/>
-              <a:t>in state 1</a:t>
-            </a:r>
-            <a:endParaRPr lang="en-US" dirty="0"/>
           </a:p>
         </p:txBody>
       </p:sp>
@@ -18227,18 +17685,13 @@
           <a:p>
             <a:pPr algn="ctr"/>
             <a:r>
-              <a:rPr lang="en-US" dirty="0" smtClean="0">
+              <a:rPr lang="en-US" dirty="0">
                 <a:solidFill>
                   <a:schemeClr val="tx1"/>
                 </a:solidFill>
               </a:rPr>
               <a:t>State 1?</a:t>
             </a:r>
-            <a:endParaRPr lang="en-US" dirty="0">
-              <a:solidFill>
-                <a:schemeClr val="tx1"/>
-              </a:solidFill>
-            </a:endParaRPr>
           </a:p>
         </p:txBody>
       </p:sp>
@@ -18361,10 +17814,9 @@
           <a:lstStyle/>
           <a:p>
             <a:r>
-              <a:rPr lang="en-US" dirty="0" smtClean="0"/>
+              <a:rPr lang="en-US" dirty="0"/>
               <a:t>Probability of transitioning to a new state at a site over time</a:t>
             </a:r>
-            <a:endParaRPr lang="en-US" dirty="0"/>
           </a:p>
         </p:txBody>
       </p:sp>
@@ -18406,18 +17858,13 @@
           <a:p>
             <a:pPr algn="ctr"/>
             <a:r>
-              <a:rPr lang="en-US" dirty="0" smtClean="0">
+              <a:rPr lang="en-US" dirty="0">
                 <a:solidFill>
                   <a:schemeClr val="tx1"/>
                 </a:solidFill>
               </a:rPr>
               <a:t>State 2?</a:t>
             </a:r>
-            <a:endParaRPr lang="en-US" dirty="0">
-              <a:solidFill>
-                <a:schemeClr val="tx1"/>
-              </a:solidFill>
-            </a:endParaRPr>
           </a:p>
         </p:txBody>
       </p:sp>
@@ -18459,18 +17906,13 @@
           <a:p>
             <a:pPr algn="ctr"/>
             <a:r>
-              <a:rPr lang="en-US" dirty="0" smtClean="0">
+              <a:rPr lang="en-US" dirty="0">
                 <a:solidFill>
                   <a:schemeClr val="tx1"/>
                 </a:solidFill>
               </a:rPr>
               <a:t>Extinct?</a:t>
             </a:r>
-            <a:endParaRPr lang="en-US" dirty="0">
-              <a:solidFill>
-                <a:schemeClr val="tx1"/>
-              </a:solidFill>
-            </a:endParaRPr>
           </a:p>
         </p:txBody>
       </p:sp>
@@ -19040,13 +18482,6 @@
   <p:clrMapOvr>
     <a:masterClrMapping/>
   </p:clrMapOvr>
-  <p:timing>
-    <p:tnLst>
-      <p:par>
-        <p:cTn id="1" dur="indefinite" restart="never" nodeType="tmRoot"/>
-      </p:par>
-    </p:tnLst>
-  </p:timing>
 </p:sld>
 </file>
 
@@ -19090,12 +18525,8 @@
           <a:lstStyle/>
           <a:p>
             <a:r>
-              <a:rPr lang="en-US" sz="3200" dirty="0" smtClean="0"/>
-              <a:t>Multiple population </a:t>
-            </a:r>
-            <a:r>
               <a:rPr lang="en-US" sz="3200" dirty="0"/>
-              <a:t>states</a:t>
+              <a:t>Multiple population states</a:t>
             </a:r>
           </a:p>
         </p:txBody>
@@ -19138,13 +18569,8 @@
             <a:pPr algn="ctr"/>
             <a:r>
               <a:rPr lang="en-US" dirty="0"/>
-              <a:t>E</a:t>
+              <a:t>Extinct</a:t>
             </a:r>
-            <a:r>
-              <a:rPr lang="en-US" dirty="0" smtClean="0"/>
-              <a:t>xtinct</a:t>
-            </a:r>
-            <a:endParaRPr lang="en-US" dirty="0"/>
           </a:p>
         </p:txBody>
       </p:sp>
@@ -19185,10 +18611,9 @@
           <a:p>
             <a:pPr algn="ctr"/>
             <a:r>
-              <a:rPr lang="en-US" dirty="0" smtClean="0"/>
+              <a:rPr lang="en-US" dirty="0"/>
               <a:t>Low abundance</a:t>
             </a:r>
-            <a:endParaRPr lang="en-US" dirty="0"/>
           </a:p>
         </p:txBody>
       </p:sp>
@@ -19229,10 +18654,9 @@
           <a:p>
             <a:pPr algn="ctr"/>
             <a:r>
-              <a:rPr lang="en-US" dirty="0" smtClean="0"/>
+              <a:rPr lang="en-US" dirty="0"/>
               <a:t>High abundance</a:t>
             </a:r>
-            <a:endParaRPr lang="en-US" dirty="0"/>
           </a:p>
         </p:txBody>
       </p:sp>
@@ -19294,29 +18718,14 @@
             <a:lstStyle/>
             <a:p>
               <a:r>
-                <a:rPr lang="en-US" dirty="0" smtClean="0">
+                <a:rPr lang="en-US" dirty="0">
                   <a:solidFill>
                     <a:schemeClr val="bg1"/>
                   </a:solidFill>
                   <a:latin typeface="Arial Narrow" panose="020B0606020202030204" pitchFamily="34" charset="0"/>
                 </a:rPr>
-                <a:t>Quantitative Tools for </a:t>
+                <a:t>Quantitative Tools for SSA</a:t>
               </a:r>
-              <a:r>
-                <a:rPr lang="en-US" dirty="0" smtClean="0">
-                  <a:solidFill>
-                    <a:schemeClr val="bg1"/>
-                  </a:solidFill>
-                  <a:latin typeface="Arial Narrow" panose="020B0606020202030204" pitchFamily="34" charset="0"/>
-                </a:rPr>
-                <a:t>SSA</a:t>
-              </a:r>
-              <a:endParaRPr lang="en-US" dirty="0">
-                <a:solidFill>
-                  <a:schemeClr val="bg1"/>
-                </a:solidFill>
-                <a:latin typeface="Arial Narrow" panose="020B0606020202030204" pitchFamily="34" charset="0"/>
-              </a:endParaRPr>
             </a:p>
           </p:txBody>
         </p:sp>
@@ -19372,13 +18781,6 @@
   <p:clrMapOvr>
     <a:masterClrMapping/>
   </p:clrMapOvr>
-  <p:timing>
-    <p:tnLst>
-      <p:par>
-        <p:cTn id="1" dur="indefinite" restart="never" nodeType="tmRoot"/>
-      </p:par>
-    </p:tnLst>
-  </p:timing>
 </p:sld>
 </file>
 
